--- a/2022SummerCodingCamp_Intro.pptx
+++ b/2022SummerCodingCamp_Intro.pptx
@@ -9885,16 +9885,9 @@
                 <a:latin typeface="Century Gothic" panose="020B0502020202020204" pitchFamily="34" charset="0"/>
                 <a:sym typeface="Wingdings" pitchFamily="2" charset="2"/>
               </a:rPr>
-              <a:t> In a nutshell, provide enough information so your TA can reproduce </a:t>
-            </a:r>
-            <a:r>
-              <a:rPr lang="en-US">
-                <a:latin typeface="Century Gothic" panose="020B0502020202020204" pitchFamily="34" charset="0"/>
-                <a:sym typeface="Wingdings" pitchFamily="2" charset="2"/>
-              </a:rPr>
-              <a:t>the error!</a:t>
-            </a:r>
-            <a:endParaRPr lang="en-US">
+              <a:t> In a nutshell, provide enough information so your TA can reproduce the error!</a:t>
+            </a:r>
+            <a:endParaRPr lang="en-US" dirty="0">
               <a:latin typeface="Century Gothic" panose="020B0502020202020204" pitchFamily="34" charset="0"/>
             </a:endParaRPr>
           </a:p>
@@ -11105,11 +11098,11 @@
           <a:p>
             <a:r>
               <a:rPr lang="en-US" dirty="0"/>
-              <a:t>Andy </a:t>
-            </a:r>
-            <a:r>
-              <a:rPr lang="en-US" dirty="0" err="1"/>
-              <a:t>Patt</a:t>
+              <a:t>Tim </a:t>
+            </a:r>
+            <a:r>
+              <a:rPr lang="en-US"/>
+              <a:t>Sheils</a:t>
             </a:r>
             <a:endParaRPr lang="en-US" dirty="0"/>
           </a:p>
